--- a/Documentation/IBMPresentation.pptx
+++ b/Documentation/IBMPresentation.pptx
@@ -5995,13 +5995,13 @@
           <a:lstStyle/>
           <a:p>
             <a:r>
-              <a:rPr lang="en-US" smtClean="0"/>
+              <a:rPr lang="en-US" dirty="0" smtClean="0"/>
               <a:t>Groovy</a:t>
             </a:r>
           </a:p>
           <a:p>
             <a:r>
-              <a:rPr lang="en-US" smtClean="0"/>
+              <a:rPr lang="en-US" dirty="0" smtClean="0"/>
               <a:t>Grails</a:t>
             </a:r>
             <a:endParaRPr lang="en-US" dirty="0" smtClean="0"/>
